--- a/reports/germany/vodafone_germany/CQ4_2025/blm_vodafone_germany_analysis_cq4_2025.pptx
+++ b/reports/germany/vodafone_germany/CQ4_2025/blm_vodafone_germany_analysis_cq4_2025.pptx
@@ -4483,7 +4483,7 @@
               </a:defRPr>
             </a:pPr>
             <a:r>
-              <a:t>• Vodafone completes 1&amp;1 customer migration: 12M users on network</a:t>
+              <a:t>• 1&amp;1 completes OpenRAN migration, reaches 25% own network coverage</a:t>
             </a:r>
           </a:p>
           <a:p>
@@ -4499,7 +4499,7 @@
               </a:defRPr>
             </a:pPr>
             <a:r>
-              <a:t>• Vodafone completes 1&amp;1 customer migration: 12M users on network</a:t>
+              <a:t>• Vodafone completes Skaylink acquisition for €175M</a:t>
             </a:r>
           </a:p>
           <a:p>
@@ -4515,7 +4515,7 @@
               </a:defRPr>
             </a:pPr>
             <a:r>
-              <a:t>• 1&amp;1 completes OpenRAN migration, reaches 25% own network coverage</a:t>
+              <a:t>• Deutsche Telekom Q3 2025: revenue +1.5%, net profit +14.3%</a:t>
             </a:r>
           </a:p>
         </p:txBody>
@@ -4594,7 +4594,7 @@
               </a:defRPr>
             </a:pPr>
             <a:r>
-              <a:t>Key Message: German telecom market totals EUR 12327.0M in quarterly revenue; vodafone_germany holds 25.1% market share; competitive strengths in Availability, Assurances; Market outlook is favorable with more opportunities than threats.</a:t>
+              <a:t>Key Message: Germany telecom market totals EUR 12327.0M in quarterly revenue; vodafone_germany holds 25.1% market share; competitive strengths in Availability, Assurances; Market outlook is favorable with more opportunities than threats.</a:t>
             </a:r>
           </a:p>
         </p:txBody>
@@ -5470,7 +5470,7 @@
               </a:defRPr>
             </a:pPr>
             <a:r>
-              <a:t>Key Message: German telecom market totals EUR 12327.0M in quarterly revenue; vodafone_germany holds 25.1% market share; competitive strengths in Availability, Assurances; Market outlook is favorable with more opportunities than threats.</a:t>
+              <a:t>Key Message: Germany telecom market totals EUR 12327.0M in quarterly revenue; vodafone_germany holds 25.1% market share; competitive strengths in Availability, Assurances; Market outlook is favorable with more opportunities than threats.</a:t>
             </a:r>
           </a:p>
         </p:txBody>
@@ -5742,7 +5742,7 @@
               </a:defRPr>
             </a:pPr>
             <a:r>
-              <a:t>Key Message: German telecom market totals EUR 12327.0M in quarterly revenue; vodafone_germany holds 25.1% market share; competitive strengths in Availability, Assurances; Market outlook is favorable with more opportunities than threats.</a:t>
+              <a:t>Key Message: Germany telecom market totals EUR 12327.0M in quarterly revenue; vodafone_germany holds 25.1% market share; competitive strengths in Availability, Assurances; Market outlook is favorable with more opportunities than threats.</a:t>
             </a:r>
           </a:p>
         </p:txBody>
@@ -6038,7 +6038,7 @@
               </a:defRPr>
             </a:pPr>
             <a:r>
-              <a:t>• Vodafone completes 1&amp;1 customer migration: 12M users on network</a:t>
+              <a:t>• Vodafone completes Skaylink acquisition for €175M</a:t>
             </a:r>
           </a:p>
           <a:p>
@@ -6054,7 +6054,7 @@
               </a:defRPr>
             </a:pPr>
             <a:r>
-              <a:t>• Vodafone completes 1&amp;1 customer migration: 12M users on network</a:t>
+              <a:t>• Deutsche Telekom Q3 2025: revenue +1.5%, net profit +14.3%</a:t>
             </a:r>
           </a:p>
           <a:p>
@@ -6070,7 +6070,7 @@
               </a:defRPr>
             </a:pPr>
             <a:r>
-              <a:t>• Vodafone completes Skaylink acquisition for €175M</a:t>
+              <a:t>• Vodafone restructures cable TV frequencies nationwide</a:t>
             </a:r>
           </a:p>
         </p:txBody>
@@ -6149,7 +6149,7 @@
               </a:defRPr>
             </a:pPr>
             <a:r>
-              <a:t>Key Message: German telecom market totals EUR 12327.0M in quarterly revenue; vodafone_germany holds 25.1% market share; competitive strengths in Availability, Assurances; Market outlook is favorable with more opportunities than threats.</a:t>
+              <a:t>Key Message: Germany telecom market totals EUR 12327.0M in quarterly revenue; vodafone_germany holds 25.1% market share; competitive strengths in Availability, Assurances; Market outlook is favorable with more opportunities than threats.</a:t>
             </a:r>
           </a:p>
         </p:txBody>
@@ -21471,7 +21471,7 @@
               </a:defRPr>
             </a:pPr>
             <a:r>
-              <a:t>Key Message: SWOT analysis identifies 7 strengths, 5 weaknesses, 12 opportunities, and 3 threats. The recommended strategic posture is offensive (SO-dominant).</a:t>
+              <a:t>Key Message: SWOT analysis identifies 7 strengths, 5 weaknesses, 11 opportunities, and 4 threats. The recommended strategic posture is offensive (SO-dominant).</a:t>
             </a:r>
           </a:p>
         </p:txBody>
@@ -21719,7 +21719,7 @@
               </a:defRPr>
             </a:pPr>
             <a:r>
-              <a:t>Macro environment: Favorable. Key opportunities: Regulatory Environment, National Digital Strategy. Key risks: Regulatory Environment, Fiber Broadband Penetration.. Industry is mature. (+0.3% YoY (CQ2_2025 -&gt; CQ4_2025)</a:t>
+              <a:t>Macro environment: Favorable. Key opportunities: Regulatory Environment, National Digital Strategy. Key risks: Regulatory Environment, Nebenkostenprivileg (MDU cable TV bundling) abolished.. Industry is mature. (+0.3% YoY (CQ2_2025 -&gt; CQ4_2025)</a:t>
             </a:r>
           </a:p>
         </p:txBody>
@@ -21834,7 +21834,7 @@
               </a:defRPr>
             </a:pPr>
             <a:r>
-              <a:t>German telecom market totals EUR 12327.0M in quarterly revenue; vodafone_germany holds 25.1% market share; competitive strengths in Availability, Assurances; Market outlook is favorable with more opportunities than threats.</a:t>
+              <a:t>Germany telecom market totals EUR 12327.0M in quarterly revenue; vodafone_germany holds 25.1% market share; competitive strengths in Availability, Assurances; Market outlook is favorable with more opportunities than threats.</a:t>
             </a:r>
           </a:p>
         </p:txBody>
@@ -22179,7 +22179,7 @@
               </a:defRPr>
             </a:pPr>
             <a:r>
-              <a:t>SWOT analysis identifies 7 strengths, 5 weaknesses, 12 opportunities, and 3 threats. The recommended strategic posture is offensive (SO-dominant).</a:t>
+              <a:t>SWOT analysis identifies 7 strengths, 5 weaknesses, 11 opportunities, and 4 threats. The recommended strategic posture is offensive (SO-dominant).</a:t>
             </a:r>
           </a:p>
         </p:txBody>
@@ -22294,7 +22294,7 @@
               </a:defRPr>
             </a:pPr>
             <a:r>
-              <a:t>SPAN matrix positions 21 opportunities: 17 grow/invest, 4 acquire skills, 0 harvest, 0 avoid/exit. Focus resources on the 17 grow/invest items for maximum strategic impact.</a:t>
+              <a:t>SPAN matrix positions 22 opportunities: 18 grow/invest, 4 acquire skills, 0 harvest, 0 avoid/exit. Focus resources on the 18 grow/invest items for maximum strategic impact.</a:t>
             </a:r>
           </a:p>
         </p:txBody>
@@ -22778,7 +22778,7 @@
               </a:defRPr>
             </a:pPr>
             <a:r>
-              <a:t>Key Message: SPAN matrix positions 21 opportunities: 17 grow/invest, 4 acquire skills, 0 harvest, 0 avoid/exit. Focus resources on the 17 grow/invest items for maximum strategic impact.</a:t>
+              <a:t>Key Message: SPAN matrix positions 22 opportunities: 18 grow/invest, 4 acquire skills, 0 harvest, 0 avoid/exit. Focus resources on the 18 grow/invest items for maximum strategic impact.</a:t>
             </a:r>
           </a:p>
         </p:txBody>
@@ -23050,7 +23050,7 @@
               </a:defRPr>
             </a:pPr>
             <a:r>
-              <a:t>Key Message: SPAN matrix positions 21 opportunities: 17 grow/invest, 4 acquire skills, 0 harvest, 0 avoid/exit. Focus resources on the 17 grow/invest items for maximum strategic impact.</a:t>
+              <a:t>Key Message: SPAN matrix positions 22 opportunities: 18 grow/invest, 4 acquire skills, 0 harvest, 0 avoid/exit. Focus resources on the 18 grow/invest items for maximum strategic impact.</a:t>
             </a:r>
           </a:p>
         </p:txBody>
@@ -24139,7 +24139,7 @@
               </a:defRPr>
             </a:pPr>
             <a:r>
-              <a:t>Leverage 'Strong EBITDA margin at 36.2%' to capture the opportunity of 'BNetzA extends 800/1800/2600 MHz spectrum by 5 years: Potential impact on vodafone_germany'.</a:t>
+              <a:t>Leverage 'Strong EBITDA margin at 36.2%' to capture the opportunity of 'German government launches €1.2B Gigabit Funding Programme 2025: Potential impact on vodafone_germany'.</a:t>
             </a:r>
           </a:p>
         </p:txBody>
@@ -24218,7 +24218,7 @@
               </a:defRPr>
             </a:pPr>
             <a:r>
-              <a:t>Key Message: SPAN matrix positions 21 opportunities: 17 grow/invest, 4 acquire skills, 0 harvest, 0 avoid/exit. Focus resources on the 17 grow/invest items for maximum strategic impact.</a:t>
+              <a:t>Key Message: SPAN matrix positions 22 opportunities: 18 grow/invest, 4 acquire skills, 0 harvest, 0 avoid/exit. Focus resources on the 18 grow/invest items for maximum strategic impact.</a:t>
             </a:r>
           </a:p>
         </p:txBody>
@@ -24502,7 +24502,7 @@
               </a:defRPr>
             </a:pPr>
             <a:r>
-              <a:t>Macro environment: Favorable. Key opportunities: Regulatory Environment, National Digital Strategy. Key risks: Regulatory Environment, Fiber Broadband Penetration.. Industry is mature. (+0.3% YoY (CQ2_2025 -&gt; CQ4_2025)</a:t>
+              <a:t>Macro environment: Favorable. Key opportunities: Regulatory Environment, National Digital Strategy. Key risks: Regulatory Environment, Nebenkostenprivileg (MDU cable TV bundling) abolished.. Industry is mature. (+0.3% YoY (CQ2_2025 -&gt; CQ4_2025)</a:t>
             </a:r>
           </a:p>
         </p:txBody>
@@ -24617,7 +24617,7 @@
               </a:defRPr>
             </a:pPr>
             <a:r>
-              <a:t>German telecom market totals EUR 12327.0M in quarterly revenue; vodafone_germany holds 25.1% market share; competitive strengths in Availability, Assurances; Market outlook is favorable with more opportunities than threats.</a:t>
+              <a:t>Germany telecom market totals EUR 12327.0M in quarterly revenue; vodafone_germany holds 25.1% market share; competitive strengths in Availability, Assurances; Market outlook is favorable with more opportunities than threats.</a:t>
             </a:r>
           </a:p>
         </p:txBody>
@@ -24962,7 +24962,7 @@
               </a:defRPr>
             </a:pPr>
             <a:r>
-              <a:t>SWOT analysis identifies 7 strengths, 5 weaknesses, 12 opportunities, and 3 threats. The recommended strategic posture is offensive (SO-dominant).</a:t>
+              <a:t>SWOT analysis identifies 7 strengths, 5 weaknesses, 11 opportunities, and 4 threats. The recommended strategic posture is offensive (SO-dominant).</a:t>
             </a:r>
           </a:p>
         </p:txBody>
@@ -25077,7 +25077,7 @@
               </a:defRPr>
             </a:pPr>
             <a:r>
-              <a:t>SPAN matrix positions 21 opportunities: 17 grow/invest, 4 acquire skills, 0 harvest, 0 avoid/exit. Focus resources on the 17 grow/invest items for maximum strategic impact.</a:t>
+              <a:t>SPAN matrix positions 22 opportunities: 18 grow/invest, 4 acquire skills, 0 harvest, 0 avoid/exit. Focus resources on the 18 grow/invest items for maximum strategic impact.</a:t>
             </a:r>
           </a:p>
         </p:txBody>
@@ -25978,7 +25978,7 @@
               </a:defRPr>
             </a:pPr>
             <a:r>
-              <a:t>Key Message: Macro environment: Favorable. Key opportunities: Regulatory Environment, National Digital Strategy. Key risks: Regulatory Environment, Fiber Broadband Penetration.</a:t>
+              <a:t>Key Message: Macro environment: Favorable. Key opportunities: Regulatory Environment, National Digital Strategy. Key risks: Regulatory Environment, Nebenkostenprivileg (MDU cable TV bundling) abolished.</a:t>
             </a:r>
           </a:p>
         </p:txBody>
@@ -26861,7 +26861,7 @@
               </a:defRPr>
             </a:pPr>
             <a:r>
-              <a:t>Key Message: Macro environment: Favorable. Key opportunities: Regulatory Environment, National Digital Strategy. Key risks: Regulatory Environment, Fiber Broadband Penetration.. Industry is mature. (+0.3% YoY (CQ2_2025 -&gt; CQ4_2025)</a:t>
+              <a:t>Key Message: Macro environment: Favorable. Key opportunities: Regulatory Environment, National Digital Strategy. Key risks: Regulatory Environment, Nebenkostenprivileg (MDU cable TV bundling) abolished.. Industry is mature. (+0.3% YoY (CQ2_2025 -&gt; CQ4_2025)</a:t>
             </a:r>
           </a:p>
         </p:txBody>
@@ -27180,7 +27180,7 @@
               </a:defRPr>
             </a:pPr>
             <a:r>
-              <a:t>Key Message: Macro environment: Favorable. Key opportunities: Regulatory Environment, National Digital Strategy. Key risks: Regulatory Environment, Fiber Broadband Penetration.. Industry is mature. (+0.3% YoY (CQ2_2025 -&gt; CQ4_2025)</a:t>
+              <a:t>Key Message: Macro environment: Favorable. Key opportunities: Regulatory Environment, National Digital Strategy. Key risks: Regulatory Environment, Nebenkostenprivileg (MDU cable TV bundling) abolished.. Industry is mature. (+0.3% YoY (CQ2_2025 -&gt; CQ4_2025)</a:t>
             </a:r>
           </a:p>
         </p:txBody>

--- a/reports/germany/vodafone_germany/CQ4_2025/blm_vodafone_germany_analysis_cq4_2025.pptx
+++ b/reports/germany/vodafone_germany/CQ4_2025/blm_vodafone_germany_analysis_cq4_2025.pptx
@@ -3703,7 +3703,7 @@
               </a:defRPr>
             </a:pPr>
             <a:r>
-              <a:t>2026-02-11</a:t>
+              <a:t>2026-02-12</a:t>
             </a:r>
           </a:p>
         </p:txBody>
@@ -16562,7 +16562,7 @@
               </a:defRPr>
             </a:pPr>
             <a:r>
-              <a:t>Key Message: Mobile service revenue at EUR 1520.0M; up 2.8% YoY; ARPU EUR 12.8</a:t>
+              <a:t>Key Message: Mobile service revenue at 1520.0M; up 2.8% YoY; ARPU 12.8</a:t>
             </a:r>
           </a:p>
         </p:txBody>
@@ -17401,7 +17401,7 @@
               </a:defRPr>
             </a:pPr>
             <a:r>
-              <a:t>Key Message: Fixed service revenue EUR 795.0M; growth -1.1% YoY; Fiber subs 1480K</a:t>
+              <a:t>Key Message: Fixed service revenue 795.0M; growth -1.1% YoY; Fiber subs 1480K</a:t>
             </a:r>
           </a:p>
         </p:txBody>
@@ -18224,7 +18224,7 @@
               </a:defRPr>
             </a:pPr>
             <a:r>
-              <a:t>Key Message: B2B revenue EUR 520.0M; growth +8.5% YoY; 16.8% of total revenue</a:t>
+              <a:t>Key Message: B2B revenue 520.0M; growth +8.5% YoY; 16.8% of total revenue</a:t>
             </a:r>
           </a:p>
         </p:txBody>

--- a/reports/germany/vodafone_germany/CQ4_2025/blm_vodafone_germany_analysis_cq4_2025.pptx
+++ b/reports/germany/vodafone_germany/CQ4_2025/blm_vodafone_germany_analysis_cq4_2025.pptx
@@ -4594,7 +4594,7 @@
               </a:defRPr>
             </a:pPr>
             <a:r>
-              <a:t>Key Message: Germany telecom market totals EUR 12327.0M in quarterly revenue; vodafone_germany holds 25.1% market share; competitive strengths in Availability, Assurances; Market outlook is favorable with more opportunities than threats.</a:t>
+              <a:t>Key Message: Germany telecom market totals EUR 12327.0M in quarterly revenue; competitive strengths in Availability, Assurances; Market outlook is favorable with more opportunities than threats.</a:t>
             </a:r>
           </a:p>
         </p:txBody>
@@ -5470,7 +5470,7 @@
               </a:defRPr>
             </a:pPr>
             <a:r>
-              <a:t>Key Message: Germany telecom market totals EUR 12327.0M in quarterly revenue; vodafone_germany holds 25.1% market share; competitive strengths in Availability, Assurances; Market outlook is favorable with more opportunities than threats.</a:t>
+              <a:t>Key Message: Germany telecom market totals EUR 12327.0M in quarterly revenue; competitive strengths in Availability, Assurances; Market outlook is favorable with more opportunities than threats.</a:t>
             </a:r>
           </a:p>
         </p:txBody>
@@ -5742,7 +5742,7 @@
               </a:defRPr>
             </a:pPr>
             <a:r>
-              <a:t>Key Message: Germany telecom market totals EUR 12327.0M in quarterly revenue; vodafone_germany holds 25.1% market share; competitive strengths in Availability, Assurances; Market outlook is favorable with more opportunities than threats.</a:t>
+              <a:t>Key Message: Germany telecom market totals EUR 12327.0M in quarterly revenue; competitive strengths in Availability, Assurances; Market outlook is favorable with more opportunities than threats.</a:t>
             </a:r>
           </a:p>
         </p:txBody>
@@ -6149,7 +6149,7 @@
               </a:defRPr>
             </a:pPr>
             <a:r>
-              <a:t>Key Message: Germany telecom market totals EUR 12327.0M in quarterly revenue; vodafone_germany holds 25.1% market share; competitive strengths in Availability, Assurances; Market outlook is favorable with more opportunities than threats.</a:t>
+              <a:t>Key Message: Germany telecom market totals EUR 12327.0M in quarterly revenue; competitive strengths in Availability, Assurances; Market outlook is favorable with more opportunities than threats.</a:t>
             </a:r>
           </a:p>
         </p:txBody>
@@ -14639,7 +14639,7 @@
               </a:defRPr>
             </a:pPr>
             <a:r>
-              <a:t>Key Message: Ranked #2 of 4 operators in market; revenue EUR 3092.0M; EBITDA margin 36.2%; stable but facing challenges; key strength: Brand Strength; key challenge: Customer Service; Management outlook: EBITDAH2H1FY26(1) MDUQ3(2) 1&amp;1Q4(full run-rate)(3) MVNOFY27E</a:t>
+              <a:t>Key Message: Ranked #2 of 4 operators in market; revenue EUR 3092.0M; EBITDA margin 36.2%; stable but facing challenges; key strength: Brand Strength; key challenge: Customer Service; Management outlook: EBITDAH2H1FY26(1) MDUQ3(2) 1&amp;1Q4(full run-rate)(3) MVNOFY27EBITDA</a:t>
             </a:r>
           </a:p>
         </p:txBody>
@@ -20778,7 +20778,7 @@
               </a:defRPr>
             </a:pPr>
             <a:r>
-              <a:t>Key Message: Ranked #2 of 4 operators in market; revenue EUR 3092.0M; EBITDA margin 36.2%; stable but facing challenges; key strength: Brand Strength; key challenge: Customer Service; Management outlook: EBITDAH2H1FY26(1) MDUQ3(2) 1&amp;1Q4(full run-rate)(3) MVNOFY27E</a:t>
+              <a:t>Key Message: Ranked #2 of 4 operators in market; revenue EUR 3092.0M; EBITDA margin 36.2%; stable but facing challenges; key strength: Brand Strength; key challenge: Customer Service; Management outlook: EBITDAH2H1FY26(1) MDUQ3(2) 1&amp;1Q4(full run-rate)(3) MVNOFY27EBITDA</a:t>
             </a:r>
           </a:p>
         </p:txBody>
@@ -21719,7 +21719,7 @@
               </a:defRPr>
             </a:pPr>
             <a:r>
-              <a:t>Macro environment: Favorable. Key opportunities: Regulatory Environment, National Digital Strategy. Key risks: Regulatory Environment, Nebenkostenprivileg (MDU cable TV bundling) abolished.. Industry is mature. (+0.3% YoY (CQ2_2025 -&gt; CQ4_2025)</a:t>
+              <a:t>Macro environment: Favorable. Key opportunities: Regulatory Environment, National Digital Strategy. Key risks: Regulatory Environment, Nebenkostenprivileg (MDU cable TV bundling) abolished Industry is mature. (+0.3% YoY (CQ2_2025 -&gt; CQ4_2025)</a:t>
             </a:r>
           </a:p>
         </p:txBody>
@@ -21834,7 +21834,7 @@
               </a:defRPr>
             </a:pPr>
             <a:r>
-              <a:t>Germany telecom market totals EUR 12327.0M in quarterly revenue; vodafone_germany holds 25.1% market share; competitive strengths in Availability, Assurances; Market outlook is favorable with more opportunities than threats.</a:t>
+              <a:t>Germany telecom market totals EUR 12327.0M in quarterly revenue; competitive strengths in Availability, Assurances; Market outlook is favorable with more opportunities than threats.</a:t>
             </a:r>
           </a:p>
         </p:txBody>
@@ -22064,7 +22064,7 @@
               </a:defRPr>
             </a:pPr>
             <a:r>
-              <a:t>Ranked #2 of 4 operators in market; revenue EUR 3092.0M; EBITDA margin 36.2%; stable but facing challenges; key strength: Brand Strength; key challenge: Customer Service; Management outlook: EBITDAH2H1FY26(1) MDUQ3(2) 1&amp;1Q4(full run-rate)(3) MVNOFY27E</a:t>
+              <a:t>Ranked #2 of 4 operators in market; revenue EUR 3092.0M; EBITDA margin 36.2%; stable but facing challenges; key strength: Brand Strength; key challenge: Customer Service; Management outlook: EBITDAH2H1FY26(1) MDUQ3(2) 1&amp;1Q4(full run-rate)(3) MVNOFY27EBITDA</a:t>
             </a:r>
           </a:p>
         </p:txBody>
@@ -24502,7 +24502,7 @@
               </a:defRPr>
             </a:pPr>
             <a:r>
-              <a:t>Macro environment: Favorable. Key opportunities: Regulatory Environment, National Digital Strategy. Key risks: Regulatory Environment, Nebenkostenprivileg (MDU cable TV bundling) abolished.. Industry is mature. (+0.3% YoY (CQ2_2025 -&gt; CQ4_2025)</a:t>
+              <a:t>Macro environment: Favorable. Key opportunities: Regulatory Environment, National Digital Strategy. Key risks: Regulatory Environment, Nebenkostenprivileg (MDU cable TV bundling) abolished Industry is mature. (+0.3% YoY (CQ2_2025 -&gt; CQ4_2025)</a:t>
             </a:r>
           </a:p>
         </p:txBody>
@@ -24617,7 +24617,7 @@
               </a:defRPr>
             </a:pPr>
             <a:r>
-              <a:t>Germany telecom market totals EUR 12327.0M in quarterly revenue; vodafone_germany holds 25.1% market share; competitive strengths in Availability, Assurances; Market outlook is favorable with more opportunities than threats.</a:t>
+              <a:t>Germany telecom market totals EUR 12327.0M in quarterly revenue; competitive strengths in Availability, Assurances; Market outlook is favorable with more opportunities than threats.</a:t>
             </a:r>
           </a:p>
         </p:txBody>
@@ -24847,7 +24847,7 @@
               </a:defRPr>
             </a:pPr>
             <a:r>
-              <a:t>Ranked #2 of 4 operators in market; revenue EUR 3092.0M; EBITDA margin 36.2%; stable but facing challenges; key strength: Brand Strength; key challenge: Customer Service; Management outlook: EBITDAH2H1FY26(1) MDUQ3(2) 1&amp;1Q4(full run-rate)(3) MVNOFY27E</a:t>
+              <a:t>Ranked #2 of 4 operators in market; revenue EUR 3092.0M; EBITDA margin 36.2%; stable but facing challenges; key strength: Brand Strength; key challenge: Customer Service; Management outlook: EBITDAH2H1FY26(1) MDUQ3(2) 1&amp;1Q4(full run-rate)(3) MVNOFY27EBITDA</a:t>
             </a:r>
           </a:p>
         </p:txBody>
@@ -26861,7 +26861,7 @@
               </a:defRPr>
             </a:pPr>
             <a:r>
-              <a:t>Key Message: Macro environment: Favorable. Key opportunities: Regulatory Environment, National Digital Strategy. Key risks: Regulatory Environment, Nebenkostenprivileg (MDU cable TV bundling) abolished.. Industry is mature. (+0.3% YoY (CQ2_2025 -&gt; CQ4_2025)</a:t>
+              <a:t>Key Message: Macro environment: Favorable. Key opportunities: Regulatory Environment, National Digital Strategy. Key risks: Regulatory Environment, Nebenkostenprivileg (MDU cable TV bundling) abolished Industry is mature. (+0.3% YoY (CQ2_2025 -&gt; CQ4_2025)</a:t>
             </a:r>
           </a:p>
         </p:txBody>
@@ -27180,7 +27180,7 @@
               </a:defRPr>
             </a:pPr>
             <a:r>
-              <a:t>Key Message: Macro environment: Favorable. Key opportunities: Regulatory Environment, National Digital Strategy. Key risks: Regulatory Environment, Nebenkostenprivileg (MDU cable TV bundling) abolished.. Industry is mature. (+0.3% YoY (CQ2_2025 -&gt; CQ4_2025)</a:t>
+              <a:t>Key Message: Macro environment: Favorable. Key opportunities: Regulatory Environment, National Digital Strategy. Key risks: Regulatory Environment, Nebenkostenprivileg (MDU cable TV bundling) abolished Industry is mature. (+0.3% YoY (CQ2_2025 -&gt; CQ4_2025)</a:t>
             </a:r>
           </a:p>
         </p:txBody>

--- a/reports/germany/vodafone_germany/CQ4_2025/blm_vodafone_germany_analysis_cq4_2025.pptx
+++ b/reports/germany/vodafone_germany/CQ4_2025/blm_vodafone_germany_analysis_cq4_2025.pptx
@@ -4594,7 +4594,7 @@
               </a:defRPr>
             </a:pPr>
             <a:r>
-              <a:t>Key Message: Germany telecom market totals EUR 12327.0M in quarterly revenue; competitive strengths in Availability, Assurances; Market outlook is favorable with more opportunities than threats.</a:t>
+              <a:t>Key Message: Germany telecom market totals EUR 12.3B in quarterly revenue; competitive strengths in Availability, Assurances; Market outlook is favorable with more opportunities than threats.</a:t>
             </a:r>
           </a:p>
         </p:txBody>
@@ -5470,7 +5470,7 @@
               </a:defRPr>
             </a:pPr>
             <a:r>
-              <a:t>Key Message: Germany telecom market totals EUR 12327.0M in quarterly revenue; competitive strengths in Availability, Assurances; Market outlook is favorable with more opportunities than threats.</a:t>
+              <a:t>Key Message: Germany telecom market totals EUR 12.3B in quarterly revenue; competitive strengths in Availability, Assurances; Market outlook is favorable with more opportunities than threats.</a:t>
             </a:r>
           </a:p>
         </p:txBody>
@@ -5742,7 +5742,7 @@
               </a:defRPr>
             </a:pPr>
             <a:r>
-              <a:t>Key Message: Germany telecom market totals EUR 12327.0M in quarterly revenue; competitive strengths in Availability, Assurances; Market outlook is favorable with more opportunities than threats.</a:t>
+              <a:t>Key Message: Germany telecom market totals EUR 12.3B in quarterly revenue; competitive strengths in Availability, Assurances; Market outlook is favorable with more opportunities than threats.</a:t>
             </a:r>
           </a:p>
         </p:txBody>
@@ -6149,7 +6149,7 @@
               </a:defRPr>
             </a:pPr>
             <a:r>
-              <a:t>Key Message: Germany telecom market totals EUR 12327.0M in quarterly revenue; competitive strengths in Availability, Assurances; Market outlook is favorable with more opportunities than threats.</a:t>
+              <a:t>Key Message: Germany telecom market totals EUR 12.3B in quarterly revenue; competitive strengths in Availability, Assurances; Market outlook is favorable with more opportunities than threats.</a:t>
             </a:r>
           </a:p>
         </p:txBody>
@@ -10758,7 +10758,7 @@
               </a:defRPr>
             </a:pPr>
             <a:r>
-              <a:t>• 5G Deployment: 88.0/100</a:t>
+              <a:t>• 5G Deployment: score 88 (market avg 75</a:t>
             </a:r>
           </a:p>
           <a:p>
@@ -10774,7 +10774,7 @@
               </a:defRPr>
             </a:pPr>
             <a:r>
-              <a:t>• Brand Strength: 75.0/100</a:t>
+              <a:t>• Network Coverage: score 85 (market avg 76</a:t>
             </a:r>
           </a:p>
           <a:p>
@@ -10790,9 +10790,68 @@
               </a:defRPr>
             </a:pPr>
             <a:r>
-              <a:t>• Customer Service: 72.0/100</a:t>
-            </a:r>
-          </a:p>
+              <a:t>• Pricing Competitiveness: score 85 (market avg 78</a:t>
+            </a:r>
+          </a:p>
+        </p:txBody>
+      </p:sp>
+      <p:sp>
+        <p:nvSpPr>
+          <p:cNvPr id="21" name="TextBox 20"/>
+          <p:cNvSpPr txBox="1"/>
+          <p:nvPr/>
+        </p:nvSpPr>
+        <p:spPr>
+          <a:xfrm>
+            <a:off x="5943600" y="2560320"/>
+            <a:ext cx="5029200" cy="274320"/>
+          </a:xfrm>
+          <a:prstGeom prst="rect">
+            <a:avLst/>
+          </a:prstGeom>
+          <a:noFill/>
+        </p:spPr>
+        <p:txBody>
+          <a:bodyPr wrap="square">
+            <a:spAutoFit/>
+          </a:bodyPr>
+          <a:lstStyle/>
+          <a:p>
+            <a:pPr algn="l">
+              <a:defRPr sz="1300" b="1">
+                <a:solidFill>
+                  <a:srgbClr val="C80000"/>
+                </a:solidFill>
+                <a:latin typeface="Arial"/>
+              </a:defRPr>
+            </a:pPr>
+            <a:r>
+              <a:t>Weaknesses</a:t>
+            </a:r>
+          </a:p>
+        </p:txBody>
+      </p:sp>
+      <p:sp>
+        <p:nvSpPr>
+          <p:cNvPr id="22" name="TextBox 21"/>
+          <p:cNvSpPr txBox="1"/>
+          <p:nvPr/>
+        </p:nvSpPr>
+        <p:spPr>
+          <a:xfrm>
+            <a:off x="5943600" y="2834640"/>
+            <a:ext cx="5029200" cy="2286000"/>
+          </a:xfrm>
+          <a:prstGeom prst="rect">
+            <a:avLst/>
+          </a:prstGeom>
+          <a:noFill/>
+        </p:spPr>
+        <p:txBody>
+          <a:bodyPr wrap="square">
+            <a:spAutoFit/>
+          </a:bodyPr>
+          <a:lstStyle/>
           <a:p>
             <a:pPr>
               <a:spcAft>
@@ -10806,74 +10865,66 @@
               </a:defRPr>
             </a:pPr>
             <a:r>
-              <a:t>• Network Coverage: 85.0/100</a:t>
-            </a:r>
-          </a:p>
-        </p:txBody>
-      </p:sp>
-      <p:sp>
-        <p:nvSpPr>
-          <p:cNvPr id="21" name="TextBox 20"/>
-          <p:cNvSpPr txBox="1"/>
-          <p:nvPr/>
-        </p:nvSpPr>
-        <p:spPr>
-          <a:xfrm>
-            <a:off x="5943600" y="2560320"/>
-            <a:ext cx="5029200" cy="274320"/>
-          </a:xfrm>
-          <a:prstGeom prst="rect">
-            <a:avLst/>
-          </a:prstGeom>
-          <a:noFill/>
-        </p:spPr>
-        <p:txBody>
-          <a:bodyPr wrap="square">
-            <a:spAutoFit/>
-          </a:bodyPr>
-          <a:lstStyle/>
-          <a:p>
-            <a:pPr algn="l">
-              <a:defRPr sz="1300" b="1">
-                <a:solidFill>
-                  <a:srgbClr val="C80000"/>
-                </a:solidFill>
-                <a:latin typeface="Arial"/>
-              </a:defRPr>
-            </a:pPr>
-            <a:r>
-              <a:t>Weaknesses</a:t>
-            </a:r>
-          </a:p>
-        </p:txBody>
-      </p:sp>
-      <p:sp>
-        <p:nvSpPr>
-          <p:cNvPr id="22" name="TextBox 21"/>
-          <p:cNvSpPr txBox="1"/>
-          <p:nvPr/>
-        </p:nvSpPr>
-        <p:spPr>
-          <a:xfrm>
-            <a:off x="5943600" y="2834640"/>
-            <a:ext cx="5029200" cy="2286000"/>
-          </a:xfrm>
-          <a:prstGeom prst="rect">
-            <a:avLst/>
-          </a:prstGeom>
-          <a:noFill/>
-        </p:spPr>
-        <p:txBody>
-          <a:bodyPr wrap="square">
-            <a:spAutoFit/>
-          </a:bodyPr>
-          <a:lstStyle/>
-          <a:p/>
-        </p:txBody>
-      </p:sp>
-      <p:sp>
-        <p:nvSpPr>
-          <p:cNvPr id="23" name="Rectangle 22"/>
+              <a:t>• Enterprise Solutions: score 68 (market avg 74</a:t>
+            </a:r>
+          </a:p>
+          <a:p>
+            <a:pPr>
+              <a:spcAft>
+                <a:spcPts val="400"/>
+              </a:spcAft>
+              <a:defRPr sz="1100">
+                <a:solidFill>
+                  <a:srgbClr val="333333"/>
+                </a:solidFill>
+                <a:latin typeface="Arial"/>
+              </a:defRPr>
+            </a:pPr>
+            <a:r>
+              <a:t>• Product Innovation: score 70 (market avg 76</a:t>
+            </a:r>
+          </a:p>
+        </p:txBody>
+      </p:sp>
+      <p:sp>
+        <p:nvSpPr>
+          <p:cNvPr id="23" name="TextBox 22"/>
+          <p:cNvSpPr txBox="1"/>
+          <p:nvPr/>
+        </p:nvSpPr>
+        <p:spPr>
+          <a:xfrm>
+            <a:off x="457200" y="5029200"/>
+            <a:ext cx="10972800" cy="457200"/>
+          </a:xfrm>
+          <a:prstGeom prst="rect">
+            <a:avLst/>
+          </a:prstGeom>
+          <a:noFill/>
+        </p:spPr>
+        <p:txBody>
+          <a:bodyPr wrap="square">
+            <a:spAutoFit/>
+          </a:bodyPr>
+          <a:lstStyle/>
+          <a:p>
+            <a:pPr algn="l">
+              <a:defRPr sz="1100" b="0">
+                <a:solidFill>
+                  <a:srgbClr val="333333"/>
+                </a:solidFill>
+                <a:latin typeface="Arial"/>
+              </a:defRPr>
+            </a:pPr>
+            <a:r>
+              <a:t>Strategy: Margin optimization / cost transformation; subscriber acquisition focus; 5G network leadership</a:t>
+            </a:r>
+          </a:p>
+        </p:txBody>
+      </p:sp>
+      <p:sp>
+        <p:nvSpPr>
+          <p:cNvPr id="24" name="Rectangle 23"/>
           <p:cNvSpPr/>
           <p:nvPr/>
         </p:nvSpPr>
@@ -10916,7 +10967,7 @@
       </p:sp>
       <p:sp>
         <p:nvSpPr>
-          <p:cNvPr id="24" name="TextBox 23"/>
+          <p:cNvPr id="25" name="TextBox 24"/>
           <p:cNvSpPr txBox="1"/>
           <p:nvPr/>
         </p:nvSpPr>
@@ -11685,7 +11736,7 @@
               </a:defRPr>
             </a:pPr>
             <a:r>
-              <a:t>• 5G Deployment: 95.0/100</a:t>
+              <a:t>• 5G Deployment: score 95 (market avg 75</a:t>
             </a:r>
           </a:p>
           <a:p>
@@ -11701,7 +11752,7 @@
               </a:defRPr>
             </a:pPr>
             <a:r>
-              <a:t>• Brand Strength: 90.0/100</a:t>
+              <a:t>• Brand Strength: score 90 (market avg 78</a:t>
             </a:r>
           </a:p>
           <a:p>
@@ -11717,7 +11768,7 @@
               </a:defRPr>
             </a:pPr>
             <a:r>
-              <a:t>• Customer Service: 82.0/100</a:t>
+              <a:t>• Customer Service: score 82 (market avg 74</a:t>
             </a:r>
           </a:p>
           <a:p>
@@ -11733,7 +11784,7 @@
               </a:defRPr>
             </a:pPr>
             <a:r>
-              <a:t>• Digital Services: 85.0/100</a:t>
+              <a:t>• Digital Services: score 85 (market avg 74</a:t>
             </a:r>
           </a:p>
         </p:txBody>
@@ -11795,12 +11846,63 @@
             <a:spAutoFit/>
           </a:bodyPr>
           <a:lstStyle/>
-          <a:p/>
-        </p:txBody>
-      </p:sp>
-      <p:sp>
-        <p:nvSpPr>
-          <p:cNvPr id="23" name="Rectangle 22"/>
+          <a:p>
+            <a:pPr>
+              <a:spcAft>
+                <a:spcPts val="400"/>
+              </a:spcAft>
+              <a:defRPr sz="1100">
+                <a:solidFill>
+                  <a:srgbClr val="333333"/>
+                </a:solidFill>
+                <a:latin typeface="Arial"/>
+              </a:defRPr>
+            </a:pPr>
+            <a:r>
+              <a:t>• Pricing Competitiveness: score 65 (market avg 78</a:t>
+            </a:r>
+          </a:p>
+        </p:txBody>
+      </p:sp>
+      <p:sp>
+        <p:nvSpPr>
+          <p:cNvPr id="23" name="TextBox 22"/>
+          <p:cNvSpPr txBox="1"/>
+          <p:nvPr/>
+        </p:nvSpPr>
+        <p:spPr>
+          <a:xfrm>
+            <a:off x="457200" y="5029200"/>
+            <a:ext cx="10972800" cy="457200"/>
+          </a:xfrm>
+          <a:prstGeom prst="rect">
+            <a:avLst/>
+          </a:prstGeom>
+          <a:noFill/>
+        </p:spPr>
+        <p:txBody>
+          <a:bodyPr wrap="square">
+            <a:spAutoFit/>
+          </a:bodyPr>
+          <a:lstStyle/>
+          <a:p>
+            <a:pPr algn="l">
+              <a:defRPr sz="1100" b="0">
+                <a:solidFill>
+                  <a:srgbClr val="333333"/>
+                </a:solidFill>
+                <a:latin typeface="Arial"/>
+              </a:defRPr>
+            </a:pPr>
+            <a:r>
+              <a:t>Strategy: Revenue-led profitable growth; subscriber acquisition focus; strong B2B/enterprise push; 5G network leadership</a:t>
+            </a:r>
+          </a:p>
+        </p:txBody>
+      </p:sp>
+      <p:sp>
+        <p:nvSpPr>
+          <p:cNvPr id="24" name="Rectangle 23"/>
           <p:cNvSpPr/>
           <p:nvPr/>
         </p:nvSpPr>
@@ -11843,7 +11945,7 @@
       </p:sp>
       <p:sp>
         <p:nvSpPr>
-          <p:cNvPr id="24" name="TextBox 23"/>
+          <p:cNvPr id="25" name="TextBox 24"/>
           <p:cNvSpPr txBox="1"/>
           <p:nvPr/>
         </p:nvSpPr>
@@ -12612,9 +12714,68 @@
               </a:defRPr>
             </a:pPr>
             <a:r>
-              <a:t>• Pricing Competitiveness: 90.0/100</a:t>
-            </a:r>
-          </a:p>
+              <a:t>• Pricing Competitiveness: score 90 (market avg 78</a:t>
+            </a:r>
+          </a:p>
+        </p:txBody>
+      </p:sp>
+      <p:sp>
+        <p:nvSpPr>
+          <p:cNvPr id="21" name="TextBox 20"/>
+          <p:cNvSpPr txBox="1"/>
+          <p:nvPr/>
+        </p:nvSpPr>
+        <p:spPr>
+          <a:xfrm>
+            <a:off x="5943600" y="2560320"/>
+            <a:ext cx="5029200" cy="274320"/>
+          </a:xfrm>
+          <a:prstGeom prst="rect">
+            <a:avLst/>
+          </a:prstGeom>
+          <a:noFill/>
+        </p:spPr>
+        <p:txBody>
+          <a:bodyPr wrap="square">
+            <a:spAutoFit/>
+          </a:bodyPr>
+          <a:lstStyle/>
+          <a:p>
+            <a:pPr algn="l">
+              <a:defRPr sz="1300" b="1">
+                <a:solidFill>
+                  <a:srgbClr val="C80000"/>
+                </a:solidFill>
+                <a:latin typeface="Arial"/>
+              </a:defRPr>
+            </a:pPr>
+            <a:r>
+              <a:t>Weaknesses</a:t>
+            </a:r>
+          </a:p>
+        </p:txBody>
+      </p:sp>
+      <p:sp>
+        <p:nvSpPr>
+          <p:cNvPr id="22" name="TextBox 21"/>
+          <p:cNvSpPr txBox="1"/>
+          <p:nvPr/>
+        </p:nvSpPr>
+        <p:spPr>
+          <a:xfrm>
+            <a:off x="5943600" y="2834640"/>
+            <a:ext cx="5029200" cy="2286000"/>
+          </a:xfrm>
+          <a:prstGeom prst="rect">
+            <a:avLst/>
+          </a:prstGeom>
+          <a:noFill/>
+        </p:spPr>
+        <p:txBody>
+          <a:bodyPr wrap="square">
+            <a:spAutoFit/>
+          </a:bodyPr>
+          <a:lstStyle/>
           <a:p>
             <a:pPr>
               <a:spcAft>
@@ -12628,7 +12789,7 @@
               </a:defRPr>
             </a:pPr>
             <a:r>
-              <a:t>• Product Innovation: 72.0/100</a:t>
+              <a:t>• 5G Deployment: score 40 (market avg 75</a:t>
             </a:r>
           </a:p>
           <a:p>
@@ -12644,74 +12805,82 @@
               </a:defRPr>
             </a:pPr>
             <a:r>
-              <a:t>• Sustainability: 80.0/100</a:t>
-            </a:r>
-          </a:p>
-        </p:txBody>
-      </p:sp>
-      <p:sp>
-        <p:nvSpPr>
-          <p:cNvPr id="21" name="TextBox 20"/>
-          <p:cNvSpPr txBox="1"/>
-          <p:nvPr/>
-        </p:nvSpPr>
-        <p:spPr>
-          <a:xfrm>
-            <a:off x="5943600" y="2560320"/>
-            <a:ext cx="5029200" cy="274320"/>
-          </a:xfrm>
-          <a:prstGeom prst="rect">
-            <a:avLst/>
-          </a:prstGeom>
-          <a:noFill/>
-        </p:spPr>
-        <p:txBody>
-          <a:bodyPr wrap="square">
-            <a:spAutoFit/>
-          </a:bodyPr>
-          <a:lstStyle/>
-          <a:p>
-            <a:pPr algn="l">
-              <a:defRPr sz="1300" b="1">
-                <a:solidFill>
-                  <a:srgbClr val="C80000"/>
-                </a:solidFill>
-                <a:latin typeface="Arial"/>
-              </a:defRPr>
-            </a:pPr>
-            <a:r>
-              <a:t>Weaknesses</a:t>
-            </a:r>
-          </a:p>
-        </p:txBody>
-      </p:sp>
-      <p:sp>
-        <p:nvSpPr>
-          <p:cNvPr id="22" name="TextBox 21"/>
-          <p:cNvSpPr txBox="1"/>
-          <p:nvPr/>
-        </p:nvSpPr>
-        <p:spPr>
-          <a:xfrm>
-            <a:off x="5943600" y="2834640"/>
-            <a:ext cx="5029200" cy="2286000"/>
-          </a:xfrm>
-          <a:prstGeom prst="rect">
-            <a:avLst/>
-          </a:prstGeom>
-          <a:noFill/>
-        </p:spPr>
-        <p:txBody>
-          <a:bodyPr wrap="square">
-            <a:spAutoFit/>
-          </a:bodyPr>
-          <a:lstStyle/>
-          <a:p/>
-        </p:txBody>
-      </p:sp>
-      <p:sp>
-        <p:nvSpPr>
-          <p:cNvPr id="23" name="Rectangle 22"/>
+              <a:t>• Brand Strength: score 65 (market avg 78</a:t>
+            </a:r>
+          </a:p>
+          <a:p>
+            <a:pPr>
+              <a:spcAft>
+                <a:spcPts val="400"/>
+              </a:spcAft>
+              <a:defRPr sz="1100">
+                <a:solidFill>
+                  <a:srgbClr val="333333"/>
+                </a:solidFill>
+                <a:latin typeface="Arial"/>
+              </a:defRPr>
+            </a:pPr>
+            <a:r>
+              <a:t>• Digital Services: score 68 (market avg 74</a:t>
+            </a:r>
+          </a:p>
+          <a:p>
+            <a:pPr>
+              <a:spcAft>
+                <a:spcPts val="400"/>
+              </a:spcAft>
+              <a:defRPr sz="1100">
+                <a:solidFill>
+                  <a:srgbClr val="333333"/>
+                </a:solidFill>
+                <a:latin typeface="Arial"/>
+              </a:defRPr>
+            </a:pPr>
+            <a:r>
+              <a:t>• Enterprise Solutions: score 55 (market avg 74</a:t>
+            </a:r>
+          </a:p>
+        </p:txBody>
+      </p:sp>
+      <p:sp>
+        <p:nvSpPr>
+          <p:cNvPr id="23" name="TextBox 22"/>
+          <p:cNvSpPr txBox="1"/>
+          <p:nvPr/>
+        </p:nvSpPr>
+        <p:spPr>
+          <a:xfrm>
+            <a:off x="457200" y="5029200"/>
+            <a:ext cx="10972800" cy="457200"/>
+          </a:xfrm>
+          <a:prstGeom prst="rect">
+            <a:avLst/>
+          </a:prstGeom>
+          <a:noFill/>
+        </p:spPr>
+        <p:txBody>
+          <a:bodyPr wrap="square">
+            <a:spAutoFit/>
+          </a:bodyPr>
+          <a:lstStyle/>
+          <a:p>
+            <a:pPr algn="l">
+              <a:defRPr sz="1100" b="0">
+                <a:solidFill>
+                  <a:srgbClr val="333333"/>
+                </a:solidFill>
+                <a:latin typeface="Arial"/>
+              </a:defRPr>
+            </a:pPr>
+            <a:r>
+              <a:t>Strategy: Market share expansion (investing for growth); subscriber acquisition focus</a:t>
+            </a:r>
+          </a:p>
+        </p:txBody>
+      </p:sp>
+      <p:sp>
+        <p:nvSpPr>
+          <p:cNvPr id="24" name="Rectangle 23"/>
           <p:cNvSpPr/>
           <p:nvPr/>
         </p:nvSpPr>
@@ -12754,7 +12923,7 @@
       </p:sp>
       <p:sp>
         <p:nvSpPr>
-          <p:cNvPr id="24" name="TextBox 23"/>
+          <p:cNvPr id="25" name="TextBox 24"/>
           <p:cNvSpPr txBox="1"/>
           <p:nvPr/>
         </p:nvSpPr>
@@ -13567,38 +13736,6 @@
               </a:defRPr>
             </a:pPr>
             <a:r>
-              <a:t>• 1&amp;1 completes OpenRAN migration, reaches 25% own network coverage: 1&amp;1OpenRAN 5G1,5004,50025%Q3 2025+4H19CAPEX €2.287</a:t>
-            </a:r>
-          </a:p>
-          <a:p>
-            <a:pPr>
-              <a:spcAft>
-                <a:spcPts val="400"/>
-              </a:spcAft>
-              <a:defRPr sz="1300">
-                <a:solidFill>
-                  <a:srgbClr val="333333"/>
-                </a:solidFill>
-                <a:latin typeface="Arial"/>
-              </a:defRPr>
-            </a:pPr>
-            <a:r>
-              <a:t>• 1&amp;1 completes OpenRAN migration, reaches 25% own network coverage: 1&amp;1OpenRAN 5G1,5004,50025%Q3 2025+4H19CAPEX €2.287</a:t>
-            </a:r>
-          </a:p>
-          <a:p>
-            <a:pPr>
-              <a:spcAft>
-                <a:spcPts val="400"/>
-              </a:spcAft>
-              <a:defRPr sz="1300">
-                <a:solidFill>
-                  <a:srgbClr val="333333"/>
-                </a:solidFill>
-                <a:latin typeface="Arial"/>
-              </a:defRPr>
-            </a:pPr>
-            <a:r>
               <a:t>• Entry barriers: High barriers: spectrum licensing, massive capex for network build, regulatory approvals, established brand loyalty</a:t>
             </a:r>
           </a:p>
@@ -14639,7 +14776,7 @@
               </a:defRPr>
             </a:pPr>
             <a:r>
-              <a:t>Key Message: Ranked #2 of 4 operators in market; revenue EUR 3092.0M; EBITDA margin 36.2%; stable but facing challenges; key strength: Brand Strength; key challenge: Customer Service; Management outlook: EBITDAH2H1FY26(1) MDUQ3(2) 1&amp;1Q4(full run-rate)(3) MVNOFY27EBITDA</a:t>
+              <a:t>Key Message: Ranked #2 of 4 operators in market; revenue EUR 3,092M; EBITDA margin 36.2%; stable but facing challenges; key strength: Brand Strength; key challenge: Customer Service; Management outlook: EBITDAH2H1FY26(1) MDUQ3(2) 1&amp;1Q4(full run-rate)(3) MVNOFY27EBITDA</a:t>
             </a:r>
           </a:p>
         </p:txBody>
@@ -15219,7 +15356,7 @@
               </a:defRPr>
             </a:pPr>
             <a:r>
-              <a:t>19</a:t>
+              <a:t>20</a:t>
             </a:r>
           </a:p>
         </p:txBody>
@@ -15485,7 +15622,7 @@
               </a:defRPr>
             </a:pPr>
             <a:r>
-              <a:t>0</a:t>
+              <a:t>19</a:t>
             </a:r>
           </a:p>
         </p:txBody>
@@ -15600,7 +15737,7 @@
               </a:defRPr>
             </a:pPr>
             <a:r>
-              <a:t>19</a:t>
+              <a:t>1</a:t>
             </a:r>
           </a:p>
         </p:txBody>
@@ -15636,7 +15773,7 @@
               </a:defRPr>
             </a:pPr>
             <a:r>
-              <a:t>Unique Sources: 0</a:t>
+              <a:t>Unique Sources: 14</a:t>
             </a:r>
             <a:br/>
             <a:r>
@@ -15723,7 +15860,7 @@
               </a:defRPr>
             </a:pPr>
             <a:r>
-              <a:t>Key Message: 19 data points tracked, 0 high-confidence (0%</a:t>
+              <a:t>Key Message: 20 data points tracked, 0 high-confidence (0%</a:t>
             </a:r>
           </a:p>
         </p:txBody>
@@ -16486,6 +16623,54 @@
               <a:t>• arpu: improving</a:t>
             </a:r>
           </a:p>
+          <a:p>
+            <a:pPr>
+              <a:spcAft>
+                <a:spcPts val="400"/>
+              </a:spcAft>
+              <a:defRPr sz="1100">
+                <a:solidFill>
+                  <a:srgbClr val="333333"/>
+                </a:solidFill>
+                <a:latin typeface="Arial"/>
+              </a:defRPr>
+            </a:pPr>
+            <a:r>
+              <a:t>• Q32.8%Q2: 3.8%ARPU1&amp;1——120042,000Q2+1,000</a:t>
+            </a:r>
+          </a:p>
+          <a:p>
+            <a:pPr>
+              <a:spcAft>
+                <a:spcPts val="400"/>
+              </a:spcAft>
+              <a:defRPr sz="1100">
+                <a:solidFill>
+                  <a:srgbClr val="333333"/>
+                </a:solidFill>
+                <a:latin typeface="Arial"/>
+              </a:defRPr>
+            </a:pPr>
+            <a:r>
+              <a:t>• Q32.8%Q2: 3.8%ARPU1&amp;1——120042,000Q2+1,000</a:t>
+            </a:r>
+          </a:p>
+          <a:p>
+            <a:pPr>
+              <a:spcAft>
+                <a:spcPts val="400"/>
+              </a:spcAft>
+              <a:defRPr sz="1100">
+                <a:solidFill>
+                  <a:srgbClr val="333333"/>
+                </a:solidFill>
+                <a:latin typeface="Arial"/>
+              </a:defRPr>
+            </a:pPr>
+            <a:r>
+              <a:t>• Q32.8%Q2: 3.8%ARPU1&amp;1——120042,000Q2+1,000</a:t>
+            </a:r>
+          </a:p>
         </p:txBody>
       </p:sp>
       <p:sp>
@@ -16562,7 +16747,7 @@
               </a:defRPr>
             </a:pPr>
             <a:r>
-              <a:t>Key Message: Mobile service revenue at 1520.0M; up 2.8% YoY; ARPU 12.8</a:t>
+              <a:t>Key Message: Mobile service revenue at 1,520M; up 2.8% YoY; ARPU 12.8</a:t>
             </a:r>
           </a:p>
         </p:txBody>
@@ -17325,6 +17510,54 @@
               <a:t>• arpu: stable</a:t>
             </a:r>
           </a:p>
+          <a:p>
+            <a:pPr>
+              <a:spcAft>
+                <a:spcPts val="400"/>
+              </a:spcAft>
+              <a:defRPr sz="1100">
+                <a:solidFill>
+                  <a:srgbClr val="333333"/>
+                </a:solidFill>
+                <a:latin typeface="Arial"/>
+              </a:defRPr>
+            </a:pPr>
+            <a:r>
+              <a:t>• Vodafone restructures cable TV frequencies nationwide</a:t>
+            </a:r>
+          </a:p>
+          <a:p>
+            <a:pPr>
+              <a:spcAft>
+                <a:spcPts val="400"/>
+              </a:spcAft>
+              <a:defRPr sz="1100">
+                <a:solidFill>
+                  <a:srgbClr val="333333"/>
+                </a:solidFill>
+                <a:latin typeface="Arial"/>
+              </a:defRPr>
+            </a:pPr>
+            <a:r>
+              <a:t>• Vodafone restructures cable TV frequencies nationwide</a:t>
+            </a:r>
+          </a:p>
+          <a:p>
+            <a:pPr>
+              <a:spcAft>
+                <a:spcPts val="400"/>
+              </a:spcAft>
+              <a:defRPr sz="1100">
+                <a:solidFill>
+                  <a:srgbClr val="333333"/>
+                </a:solidFill>
+                <a:latin typeface="Arial"/>
+              </a:defRPr>
+            </a:pPr>
+            <a:r>
+              <a:t>• Vodafone restructures cable TV frequencies nationwide</a:t>
+            </a:r>
+          </a:p>
         </p:txBody>
       </p:sp>
       <p:sp>
@@ -18148,6 +18381,54 @@
               <a:t>• customers: improving</a:t>
             </a:r>
           </a:p>
+          <a:p>
+            <a:pPr>
+              <a:spcAft>
+                <a:spcPts val="400"/>
+              </a:spcAft>
+              <a:defRPr sz="1100">
+                <a:solidFill>
+                  <a:srgbClr val="333333"/>
+                </a:solidFill>
+                <a:latin typeface="Arial"/>
+              </a:defRPr>
+            </a:pPr>
+            <a:r>
+              <a:t>• Vodafone BusinessQ31.8%Q2: -1.6%ARPU + Skaylink202512B2BHagen Rickmann5€10</a:t>
+            </a:r>
+          </a:p>
+          <a:p>
+            <a:pPr>
+              <a:spcAft>
+                <a:spcPts val="400"/>
+              </a:spcAft>
+              <a:defRPr sz="1100">
+                <a:solidFill>
+                  <a:srgbClr val="333333"/>
+                </a:solidFill>
+                <a:latin typeface="Arial"/>
+              </a:defRPr>
+            </a:pPr>
+            <a:r>
+              <a:t>• Vodafone BusinessQ31.8%Q2: -1.6%ARPU + Skaylink202512B2BHagen Rickmann5€10</a:t>
+            </a:r>
+          </a:p>
+          <a:p>
+            <a:pPr>
+              <a:spcAft>
+                <a:spcPts val="400"/>
+              </a:spcAft>
+              <a:defRPr sz="1100">
+                <a:solidFill>
+                  <a:srgbClr val="333333"/>
+                </a:solidFill>
+                <a:latin typeface="Arial"/>
+              </a:defRPr>
+            </a:pPr>
+            <a:r>
+              <a:t>• Vodafone BusinessQ31.8%Q2: -1.6%ARPU + Skaylink202512B2BHagen Rickmann5€10</a:t>
+            </a:r>
+          </a:p>
         </p:txBody>
       </p:sp>
       <p:sp>
@@ -18987,6 +19268,54 @@
               <a:t>• fmc_subscribers: improving</a:t>
             </a:r>
           </a:p>
+          <a:p>
+            <a:pPr>
+              <a:spcAft>
+                <a:spcPts val="400"/>
+              </a:spcAft>
+              <a:defRPr sz="1100">
+                <a:solidFill>
+                  <a:srgbClr val="333333"/>
+                </a:solidFill>
+                <a:latin typeface="Arial"/>
+              </a:defRPr>
+            </a:pPr>
+            <a:r>
+              <a:t>• Vodafone restructures cable TV frequencies nationwide</a:t>
+            </a:r>
+          </a:p>
+          <a:p>
+            <a:pPr>
+              <a:spcAft>
+                <a:spcPts val="400"/>
+              </a:spcAft>
+              <a:defRPr sz="1100">
+                <a:solidFill>
+                  <a:srgbClr val="333333"/>
+                </a:solidFill>
+                <a:latin typeface="Arial"/>
+              </a:defRPr>
+            </a:pPr>
+            <a:r>
+              <a:t>• Vodafone restructures cable TV frequencies nationwide</a:t>
+            </a:r>
+          </a:p>
+          <a:p>
+            <a:pPr>
+              <a:spcAft>
+                <a:spcPts val="400"/>
+              </a:spcAft>
+              <a:defRPr sz="1100">
+                <a:solidFill>
+                  <a:srgbClr val="333333"/>
+                </a:solidFill>
+                <a:latin typeface="Arial"/>
+              </a:defRPr>
+            </a:pPr>
+            <a:r>
+              <a:t>• Vodafone restructures cable TV frequencies nationwide</a:t>
+            </a:r>
+          </a:p>
         </p:txBody>
       </p:sp>
       <p:sp>
@@ -20111,6 +20440,554 @@
         </p:nvSpPr>
         <p:spPr>
           <a:xfrm>
+            <a:off x="3200400" y="1280160"/>
+            <a:ext cx="2560320" cy="1097280"/>
+          </a:xfrm>
+          <a:prstGeom prst="rect">
+            <a:avLst/>
+          </a:prstGeom>
+          <a:solidFill>
+            <a:srgbClr val="F5F5F5"/>
+          </a:solidFill>
+          <a:ln>
+            <a:noFill/>
+          </a:ln>
+        </p:spPr>
+        <p:style>
+          <a:lnRef idx="1">
+            <a:schemeClr val="accent1"/>
+          </a:lnRef>
+          <a:fillRef idx="3">
+            <a:schemeClr val="accent1"/>
+          </a:fillRef>
+          <a:effectRef idx="2">
+            <a:schemeClr val="accent1"/>
+          </a:effectRef>
+          <a:fontRef idx="minor">
+            <a:schemeClr val="lt1"/>
+          </a:fontRef>
+        </p:style>
+        <p:txBody>
+          <a:bodyPr rtlCol="0" anchor="ctr"/>
+          <a:lstStyle/>
+          <a:p>
+            <a:pPr algn="ctr"/>
+          </a:p>
+        </p:txBody>
+      </p:sp>
+      <p:sp>
+        <p:nvSpPr>
+          <p:cNvPr id="10" name="TextBox 9"/>
+          <p:cNvSpPr txBox="1"/>
+          <p:nvPr/>
+        </p:nvSpPr>
+        <p:spPr>
+          <a:xfrm>
+            <a:off x="3337560" y="1371600"/>
+            <a:ext cx="2286000" cy="320040"/>
+          </a:xfrm>
+          <a:prstGeom prst="rect">
+            <a:avLst/>
+          </a:prstGeom>
+          <a:noFill/>
+        </p:spPr>
+        <p:txBody>
+          <a:bodyPr wrap="square">
+            <a:spAutoFit/>
+          </a:bodyPr>
+          <a:lstStyle/>
+          <a:p>
+            <a:pPr algn="l">
+              <a:defRPr sz="1000" b="0">
+                <a:solidFill>
+                  <a:srgbClr val="808080"/>
+                </a:solidFill>
+                <a:latin typeface="Arial"/>
+              </a:defRPr>
+            </a:pPr>
+            <a:r>
+              <a:t>C Suite Count</a:t>
+            </a:r>
+          </a:p>
+        </p:txBody>
+      </p:sp>
+      <p:sp>
+        <p:nvSpPr>
+          <p:cNvPr id="11" name="TextBox 10"/>
+          <p:cNvSpPr txBox="1"/>
+          <p:nvPr/>
+        </p:nvSpPr>
+        <p:spPr>
+          <a:xfrm>
+            <a:off x="3337560" y="1691639"/>
+            <a:ext cx="2286000" cy="365760"/>
+          </a:xfrm>
+          <a:prstGeom prst="rect">
+            <a:avLst/>
+          </a:prstGeom>
+          <a:noFill/>
+        </p:spPr>
+        <p:txBody>
+          <a:bodyPr wrap="square">
+            <a:spAutoFit/>
+          </a:bodyPr>
+          <a:lstStyle/>
+          <a:p>
+            <a:pPr algn="l">
+              <a:defRPr sz="1800" b="1">
+                <a:solidFill>
+                  <a:srgbClr val="003366"/>
+                </a:solidFill>
+                <a:latin typeface="Arial"/>
+              </a:defRPr>
+            </a:pPr>
+            <a:r>
+              <a:t>3</a:t>
+            </a:r>
+          </a:p>
+        </p:txBody>
+      </p:sp>
+      <p:sp>
+        <p:nvSpPr>
+          <p:cNvPr id="12" name="Rectangle 11"/>
+          <p:cNvSpPr/>
+          <p:nvPr/>
+        </p:nvSpPr>
+        <p:spPr>
+          <a:xfrm>
+            <a:off x="5943600" y="1280160"/>
+            <a:ext cx="2560320" cy="1097280"/>
+          </a:xfrm>
+          <a:prstGeom prst="rect">
+            <a:avLst/>
+          </a:prstGeom>
+          <a:solidFill>
+            <a:srgbClr val="F5F5F5"/>
+          </a:solidFill>
+          <a:ln>
+            <a:noFill/>
+          </a:ln>
+        </p:spPr>
+        <p:style>
+          <a:lnRef idx="1">
+            <a:schemeClr val="accent1"/>
+          </a:lnRef>
+          <a:fillRef idx="3">
+            <a:schemeClr val="accent1"/>
+          </a:fillRef>
+          <a:effectRef idx="2">
+            <a:schemeClr val="accent1"/>
+          </a:effectRef>
+          <a:fontRef idx="minor">
+            <a:schemeClr val="lt1"/>
+          </a:fontRef>
+        </p:style>
+        <p:txBody>
+          <a:bodyPr rtlCol="0" anchor="ctr"/>
+          <a:lstStyle/>
+          <a:p>
+            <a:pPr algn="ctr"/>
+          </a:p>
+        </p:txBody>
+      </p:sp>
+      <p:sp>
+        <p:nvSpPr>
+          <p:cNvPr id="13" name="TextBox 12"/>
+          <p:cNvSpPr txBox="1"/>
+          <p:nvPr/>
+        </p:nvSpPr>
+        <p:spPr>
+          <a:xfrm>
+            <a:off x="6080760" y="1371600"/>
+            <a:ext cx="2286000" cy="320040"/>
+          </a:xfrm>
+          <a:prstGeom prst="rect">
+            <a:avLst/>
+          </a:prstGeom>
+          <a:noFill/>
+        </p:spPr>
+        <p:txBody>
+          <a:bodyPr wrap="square">
+            <a:spAutoFit/>
+          </a:bodyPr>
+          <a:lstStyle/>
+          <a:p>
+            <a:pPr algn="l">
+              <a:defRPr sz="1000" b="0">
+                <a:solidFill>
+                  <a:srgbClr val="808080"/>
+                </a:solidFill>
+                <a:latin typeface="Arial"/>
+              </a:defRPr>
+            </a:pPr>
+            <a:r>
+              <a:t>Avg Tenure Years</a:t>
+            </a:r>
+          </a:p>
+        </p:txBody>
+      </p:sp>
+      <p:sp>
+        <p:nvSpPr>
+          <p:cNvPr id="14" name="TextBox 13"/>
+          <p:cNvSpPr txBox="1"/>
+          <p:nvPr/>
+        </p:nvSpPr>
+        <p:spPr>
+          <a:xfrm>
+            <a:off x="6080760" y="1691639"/>
+            <a:ext cx="2286000" cy="365760"/>
+          </a:xfrm>
+          <a:prstGeom prst="rect">
+            <a:avLst/>
+          </a:prstGeom>
+          <a:noFill/>
+        </p:spPr>
+        <p:txBody>
+          <a:bodyPr wrap="square">
+            <a:spAutoFit/>
+          </a:bodyPr>
+          <a:lstStyle/>
+          <a:p>
+            <a:pPr algn="l">
+              <a:defRPr sz="1800" b="1">
+                <a:solidFill>
+                  <a:srgbClr val="003366"/>
+                </a:solidFill>
+                <a:latin typeface="Arial"/>
+              </a:defRPr>
+            </a:pPr>
+            <a:r>
+              <a:t>4.8</a:t>
+            </a:r>
+          </a:p>
+        </p:txBody>
+      </p:sp>
+      <p:sp>
+        <p:nvSpPr>
+          <p:cNvPr id="15" name="Rectangle 14"/>
+          <p:cNvSpPr/>
+          <p:nvPr/>
+        </p:nvSpPr>
+        <p:spPr>
+          <a:xfrm>
+            <a:off x="8686800" y="1280160"/>
+            <a:ext cx="2560320" cy="1097280"/>
+          </a:xfrm>
+          <a:prstGeom prst="rect">
+            <a:avLst/>
+          </a:prstGeom>
+          <a:solidFill>
+            <a:srgbClr val="F5F5F5"/>
+          </a:solidFill>
+          <a:ln>
+            <a:noFill/>
+          </a:ln>
+        </p:spPr>
+        <p:style>
+          <a:lnRef idx="1">
+            <a:schemeClr val="accent1"/>
+          </a:lnRef>
+          <a:fillRef idx="3">
+            <a:schemeClr val="accent1"/>
+          </a:fillRef>
+          <a:effectRef idx="2">
+            <a:schemeClr val="accent1"/>
+          </a:effectRef>
+          <a:fontRef idx="minor">
+            <a:schemeClr val="lt1"/>
+          </a:fontRef>
+        </p:style>
+        <p:txBody>
+          <a:bodyPr rtlCol="0" anchor="ctr"/>
+          <a:lstStyle/>
+          <a:p>
+            <a:pPr algn="ctr"/>
+          </a:p>
+        </p:txBody>
+      </p:sp>
+      <p:sp>
+        <p:nvSpPr>
+          <p:cNvPr id="16" name="TextBox 15"/>
+          <p:cNvSpPr txBox="1"/>
+          <p:nvPr/>
+        </p:nvSpPr>
+        <p:spPr>
+          <a:xfrm>
+            <a:off x="8823960" y="1371600"/>
+            <a:ext cx="2286000" cy="320040"/>
+          </a:xfrm>
+          <a:prstGeom prst="rect">
+            <a:avLst/>
+          </a:prstGeom>
+          <a:noFill/>
+        </p:spPr>
+        <p:txBody>
+          <a:bodyPr wrap="square">
+            <a:spAutoFit/>
+          </a:bodyPr>
+          <a:lstStyle/>
+          <a:p>
+            <a:pPr algn="l">
+              <a:defRPr sz="1000" b="0">
+                <a:solidFill>
+                  <a:srgbClr val="808080"/>
+                </a:solidFill>
+                <a:latin typeface="Arial"/>
+              </a:defRPr>
+            </a:pPr>
+            <a:r>
+              <a:t>Key Leaders</a:t>
+            </a:r>
+          </a:p>
+        </p:txBody>
+      </p:sp>
+      <p:sp>
+        <p:nvSpPr>
+          <p:cNvPr id="17" name="TextBox 16"/>
+          <p:cNvSpPr txBox="1"/>
+          <p:nvPr/>
+        </p:nvSpPr>
+        <p:spPr>
+          <a:xfrm>
+            <a:off x="8823960" y="1691639"/>
+            <a:ext cx="2286000" cy="365760"/>
+          </a:xfrm>
+          <a:prstGeom prst="rect">
+            <a:avLst/>
+          </a:prstGeom>
+          <a:noFill/>
+        </p:spPr>
+        <p:txBody>
+          <a:bodyPr wrap="square">
+            <a:spAutoFit/>
+          </a:bodyPr>
+          <a:lstStyle/>
+          <a:p>
+            <a:pPr algn="l">
+              <a:defRPr sz="1800" b="1">
+                <a:solidFill>
+                  <a:srgbClr val="003366"/>
+                </a:solidFill>
+                <a:latin typeface="Arial"/>
+              </a:defRPr>
+            </a:pPr>
+            <a:r>
+              <a:t>['Marcel de Groot (CEO)', 'Anna Googel (CFO)', 'Gerhard Mack (CTO)']</a:t>
+            </a:r>
+          </a:p>
+        </p:txBody>
+      </p:sp>
+      <p:sp>
+        <p:nvSpPr>
+          <p:cNvPr id="18" name="TextBox 17"/>
+          <p:cNvSpPr txBox="1"/>
+          <p:nvPr/>
+        </p:nvSpPr>
+        <p:spPr>
+          <a:xfrm>
+            <a:off x="457200" y="2651760"/>
+            <a:ext cx="5029200" cy="274320"/>
+          </a:xfrm>
+          <a:prstGeom prst="rect">
+            <a:avLst/>
+          </a:prstGeom>
+          <a:noFill/>
+        </p:spPr>
+        <p:txBody>
+          <a:bodyPr wrap="square">
+            <a:spAutoFit/>
+          </a:bodyPr>
+          <a:lstStyle/>
+          <a:p>
+            <a:pPr algn="l">
+              <a:defRPr sz="1200" b="1">
+                <a:solidFill>
+                  <a:srgbClr val="003366"/>
+                </a:solidFill>
+                <a:latin typeface="Arial"/>
+              </a:defRPr>
+            </a:pPr>
+            <a:r>
+              <a:t>Organization Culture:</a:t>
+            </a:r>
+          </a:p>
+        </p:txBody>
+      </p:sp>
+      <p:sp>
+        <p:nvSpPr>
+          <p:cNvPr id="19" name="TextBox 18"/>
+          <p:cNvSpPr txBox="1"/>
+          <p:nvPr/>
+        </p:nvSpPr>
+        <p:spPr>
+          <a:xfrm>
+            <a:off x="457200" y="2971800"/>
+            <a:ext cx="5029200" cy="1097280"/>
+          </a:xfrm>
+          <a:prstGeom prst="rect">
+            <a:avLst/>
+          </a:prstGeom>
+          <a:noFill/>
+        </p:spPr>
+        <p:txBody>
+          <a:bodyPr wrap="square">
+            <a:spAutoFit/>
+          </a:bodyPr>
+          <a:lstStyle/>
+          <a:p>
+            <a:pPr algn="l">
+              <a:defRPr sz="1100" b="0">
+                <a:solidFill>
+                  <a:srgbClr val="333333"/>
+                </a:solidFill>
+                <a:latin typeface="Arial"/>
+              </a:defRPr>
+            </a:pPr>
+            <a:r>
+              <a:t>Stable leadership team (avg tenure &gt;3 years); High-investment posture; Moderate strategic activity (3 recent initiatives); Transformation-oriented culture under Vodafone Group direction; customer-centricity push via NPS programs; agile transformation in digital operations; German engineering tradition meets UK group culture.</a:t>
+            </a:r>
+          </a:p>
+        </p:txBody>
+      </p:sp>
+      <p:pic>
+        <p:nvPicPr>
+          <p:cNvPr id="20" name="Picture 19" descr="talent_scores.png"/>
+          <p:cNvPicPr>
+            <a:picLocks noChangeAspect="1"/>
+          </p:cNvPicPr>
+          <p:nvPr/>
+        </p:nvPicPr>
+        <p:blipFill>
+          <a:blip r:embed="rId2"/>
+          <a:stretch>
+            <a:fillRect/>
+          </a:stretch>
+        </p:blipFill>
+        <p:spPr>
+          <a:xfrm>
+            <a:off x="5943600" y="2651760"/>
+            <a:ext cx="5486400" cy="2743200"/>
+          </a:xfrm>
+          <a:prstGeom prst="rect">
+            <a:avLst/>
+          </a:prstGeom>
+        </p:spPr>
+      </p:pic>
+      <p:sp>
+        <p:nvSpPr>
+          <p:cNvPr id="21" name="TextBox 20"/>
+          <p:cNvSpPr txBox="1"/>
+          <p:nvPr/>
+        </p:nvSpPr>
+        <p:spPr>
+          <a:xfrm>
+            <a:off x="457200" y="4572000"/>
+            <a:ext cx="10972800" cy="274320"/>
+          </a:xfrm>
+          <a:prstGeom prst="rect">
+            <a:avLst/>
+          </a:prstGeom>
+          <a:noFill/>
+        </p:spPr>
+        <p:txBody>
+          <a:bodyPr wrap="square">
+            <a:spAutoFit/>
+          </a:bodyPr>
+          <a:lstStyle/>
+          <a:p>
+            <a:pPr algn="l">
+              <a:defRPr sz="1200" b="1">
+                <a:solidFill>
+                  <a:srgbClr val="003366"/>
+                </a:solidFill>
+                <a:latin typeface="Arial"/>
+              </a:defRPr>
+            </a:pPr>
+            <a:r>
+              <a:t>Leadership Changes:</a:t>
+            </a:r>
+          </a:p>
+        </p:txBody>
+      </p:sp>
+      <p:sp>
+        <p:nvSpPr>
+          <p:cNvPr id="22" name="TextBox 21"/>
+          <p:cNvSpPr txBox="1"/>
+          <p:nvPr/>
+        </p:nvSpPr>
+        <p:spPr>
+          <a:xfrm>
+            <a:off x="457200" y="4846320"/>
+            <a:ext cx="10972800" cy="914400"/>
+          </a:xfrm>
+          <a:prstGeom prst="rect">
+            <a:avLst/>
+          </a:prstGeom>
+          <a:noFill/>
+        </p:spPr>
+        <p:txBody>
+          <a:bodyPr wrap="square">
+            <a:spAutoFit/>
+          </a:bodyPr>
+          <a:lstStyle/>
+          <a:p>
+            <a:pPr>
+              <a:spcAft>
+                <a:spcPts val="400"/>
+              </a:spcAft>
+              <a:defRPr sz="1100">
+                <a:solidFill>
+                  <a:srgbClr val="333333"/>
+                </a:solidFill>
+                <a:latin typeface="Arial"/>
+              </a:defRPr>
+            </a:pPr>
+            <a:r>
+              <a:t>• Marcel de Groot: (</a:t>
+            </a:r>
+          </a:p>
+          <a:p>
+            <a:pPr>
+              <a:spcAft>
+                <a:spcPts val="400"/>
+              </a:spcAft>
+              <a:defRPr sz="1100">
+                <a:solidFill>
+                  <a:srgbClr val="333333"/>
+                </a:solidFill>
+                <a:latin typeface="Arial"/>
+              </a:defRPr>
+            </a:pPr>
+            <a:r>
+              <a:t>• Anna Googel: (</a:t>
+            </a:r>
+          </a:p>
+          <a:p>
+            <a:pPr>
+              <a:spcAft>
+                <a:spcPts val="400"/>
+              </a:spcAft>
+              <a:defRPr sz="1100">
+                <a:solidFill>
+                  <a:srgbClr val="333333"/>
+                </a:solidFill>
+                <a:latin typeface="Arial"/>
+              </a:defRPr>
+            </a:pPr>
+            <a:r>
+              <a:t>• Gerhard Mack: (</a:t>
+            </a:r>
+          </a:p>
+        </p:txBody>
+      </p:sp>
+      <p:sp>
+        <p:nvSpPr>
+          <p:cNvPr id="23" name="Rectangle 22"/>
+          <p:cNvSpPr/>
+          <p:nvPr/>
+        </p:nvSpPr>
+        <p:spPr>
+          <a:xfrm>
             <a:off x="457200" y="5760720"/>
             <a:ext cx="11277295" cy="685800"/>
           </a:xfrm>
@@ -20148,7 +21025,7 @@
       </p:sp>
       <p:sp>
         <p:nvSpPr>
-          <p:cNvPr id="10" name="TextBox 9"/>
+          <p:cNvPr id="24" name="TextBox 23"/>
           <p:cNvSpPr txBox="1"/>
           <p:nvPr/>
         </p:nvSpPr>
@@ -20778,7 +21655,7 @@
               </a:defRPr>
             </a:pPr>
             <a:r>
-              <a:t>Key Message: Ranked #2 of 4 operators in market; revenue EUR 3092.0M; EBITDA margin 36.2%; stable but facing challenges; key strength: Brand Strength; key challenge: Customer Service; Management outlook: EBITDAH2H1FY26(1) MDUQ3(2) 1&amp;1Q4(full run-rate)(3) MVNOFY27EBITDA</a:t>
+              <a:t>Key Message: Ranked #2 of 4 operators in market; revenue EUR 3,092M; EBITDA margin 36.2%; stable but facing challenges; key strength: Brand Strength; key challenge: Customer Service; Management outlook: EBITDAH2H1FY26(1) MDUQ3(2) 1&amp;1Q4(full run-rate)(3) MVNOFY27EBITDA</a:t>
             </a:r>
           </a:p>
         </p:txBody>
@@ -21471,7 +22348,7 @@
               </a:defRPr>
             </a:pPr>
             <a:r>
-              <a:t>Key Message: SWOT analysis identifies 7 strengths, 5 weaknesses, 11 opportunities, and 4 threats. The recommended strategic posture is offensive (SO-dominant).</a:t>
+              <a:t>Key Message: SWOT analysis identifies 7 strengths, 5 weaknesses, 10 opportunities, and 4 threats. The recommended strategic posture is offensive (SO-dominant).</a:t>
             </a:r>
           </a:p>
         </p:txBody>
@@ -21834,7 +22711,7 @@
               </a:defRPr>
             </a:pPr>
             <a:r>
-              <a:t>Germany telecom market totals EUR 12327.0M in quarterly revenue; competitive strengths in Availability, Assurances; Market outlook is favorable with more opportunities than threats.</a:t>
+              <a:t>Germany telecom market totals EUR 12.3B in quarterly revenue; competitive strengths in Availability, Assurances; Market outlook is favorable with more opportunities than threats.</a:t>
             </a:r>
           </a:p>
         </p:txBody>
@@ -22064,7 +22941,7 @@
               </a:defRPr>
             </a:pPr>
             <a:r>
-              <a:t>Ranked #2 of 4 operators in market; revenue EUR 3092.0M; EBITDA margin 36.2%; stable but facing challenges; key strength: Brand Strength; key challenge: Customer Service; Management outlook: EBITDAH2H1FY26(1) MDUQ3(2) 1&amp;1Q4(full run-rate)(3) MVNOFY27EBITDA</a:t>
+              <a:t>Ranked #2 of 4 operators in market; revenue EUR 3,092M; EBITDA margin 36.2%; stable but facing challenges; key strength: Brand Strength; key challenge: Customer Service; Management outlook: EBITDAH2H1FY26(1) MDUQ3(2) 1&amp;1Q4(full run-rate)(3) MVNOFY27EBITDA</a:t>
             </a:r>
           </a:p>
         </p:txBody>
@@ -22179,7 +23056,7 @@
               </a:defRPr>
             </a:pPr>
             <a:r>
-              <a:t>SWOT analysis identifies 7 strengths, 5 weaknesses, 11 opportunities, and 4 threats. The recommended strategic posture is offensive (SO-dominant).</a:t>
+              <a:t>SWOT analysis identifies 7 strengths, 5 weaknesses, 10 opportunities, and 4 threats. The recommended strategic posture is offensive (SO-dominant).</a:t>
             </a:r>
           </a:p>
         </p:txBody>
@@ -22294,7 +23171,7 @@
               </a:defRPr>
             </a:pPr>
             <a:r>
-              <a:t>SPAN matrix positions 22 opportunities: 18 grow/invest, 4 acquire skills, 0 harvest, 0 avoid/exit. Focus resources on the 18 grow/invest items for maximum strategic impact.</a:t>
+              <a:t>SPAN matrix positions 35 opportunities: 23 grow/invest, 4 acquire skills, 4 harvest, 4 avoid/exit. Focus resources on the 23 grow/invest items for maximum strategic impact.</a:t>
             </a:r>
           </a:p>
         </p:txBody>
@@ -22778,7 +23655,7 @@
               </a:defRPr>
             </a:pPr>
             <a:r>
-              <a:t>Key Message: SPAN matrix positions 22 opportunities: 18 grow/invest, 4 acquire skills, 0 harvest, 0 avoid/exit. Focus resources on the 18 grow/invest items for maximum strategic impact.</a:t>
+              <a:t>Key Message: SPAN matrix positions 35 opportunities: 23 grow/invest, 4 acquire skills, 4 harvest, 4 avoid/exit. Focus resources on the 23 grow/invest items for maximum strategic impact.</a:t>
             </a:r>
           </a:p>
         </p:txBody>
@@ -23050,7 +23927,7 @@
               </a:defRPr>
             </a:pPr>
             <a:r>
-              <a:t>Key Message: SPAN matrix positions 22 opportunities: 18 grow/invest, 4 acquire skills, 0 harvest, 0 avoid/exit. Focus resources on the 18 grow/invest items for maximum strategic impact.</a:t>
+              <a:t>Key Message: SPAN matrix positions 35 opportunities: 23 grow/invest, 4 acquire skills, 4 harvest, 4 avoid/exit. Focus resources on the 23 grow/invest items for maximum strategic impact.</a:t>
             </a:r>
           </a:p>
         </p:txBody>
@@ -23909,7 +24786,7 @@
               </a:defRPr>
             </a:pPr>
             <a:r>
-              <a:t>Leverage 'Network Coverage: score 80 (market avg 76)' to capture the opportunity of 'BNetzA extends 800/1800/2600 MHz spectrum by 5 years: Potential impact on vodafone_germany'.</a:t>
+              <a:t>Leverage 'Network Coverage: score 80 (market avg 76)' to capture the opportunity of 'BNetzA extends 800/1800/2600 MHz spectrum by 5 years: BNetzA extends 800/1800/2600 MHz spectrum by 5 years: may create new market access or subsidy opportunities for vodafone_germany'.</a:t>
             </a:r>
           </a:p>
         </p:txBody>
@@ -24139,7 +25016,7 @@
               </a:defRPr>
             </a:pPr>
             <a:r>
-              <a:t>Leverage 'Strong EBITDA margin at 36.2%' to capture the opportunity of 'German government launches €1.2B Gigabit Funding Programme 2025: Potential impact on vodafone_germany'.</a:t>
+              <a:t>Leverage 'Strong EBITDA margin at 36.2%' to capture the opportunity of 'German government launches €1.2B Gigabit Funding Programme 2025: German government launches €1.2B Gigabit Funding Programme 2025: may create new market access or subsidy opportunities for vodafone_germany'.</a:t>
             </a:r>
           </a:p>
         </p:txBody>
@@ -24218,7 +25095,7 @@
               </a:defRPr>
             </a:pPr>
             <a:r>
-              <a:t>Key Message: SPAN matrix positions 22 opportunities: 18 grow/invest, 4 acquire skills, 0 harvest, 0 avoid/exit. Focus resources on the 18 grow/invest items for maximum strategic impact.</a:t>
+              <a:t>Key Message: SPAN matrix positions 35 opportunities: 23 grow/invest, 4 acquire skills, 4 harvest, 4 avoid/exit. Focus resources on the 23 grow/invest items for maximum strategic impact.</a:t>
             </a:r>
           </a:p>
         </p:txBody>
@@ -24617,7 +25494,7 @@
               </a:defRPr>
             </a:pPr>
             <a:r>
-              <a:t>Germany telecom market totals EUR 12327.0M in quarterly revenue; competitive strengths in Availability, Assurances; Market outlook is favorable with more opportunities than threats.</a:t>
+              <a:t>Germany telecom market totals EUR 12.3B in quarterly revenue; competitive strengths in Availability, Assurances; Market outlook is favorable with more opportunities than threats.</a:t>
             </a:r>
           </a:p>
         </p:txBody>
@@ -24847,7 +25724,7 @@
               </a:defRPr>
             </a:pPr>
             <a:r>
-              <a:t>Ranked #2 of 4 operators in market; revenue EUR 3092.0M; EBITDA margin 36.2%; stable but facing challenges; key strength: Brand Strength; key challenge: Customer Service; Management outlook: EBITDAH2H1FY26(1) MDUQ3(2) 1&amp;1Q4(full run-rate)(3) MVNOFY27EBITDA</a:t>
+              <a:t>Ranked #2 of 4 operators in market; revenue EUR 3,092M; EBITDA margin 36.2%; stable but facing challenges; key strength: Brand Strength; key challenge: Customer Service; Management outlook: EBITDAH2H1FY26(1) MDUQ3(2) 1&amp;1Q4(full run-rate)(3) MVNOFY27EBITDA</a:t>
             </a:r>
           </a:p>
         </p:txBody>
@@ -24962,7 +25839,7 @@
               </a:defRPr>
             </a:pPr>
             <a:r>
-              <a:t>SWOT analysis identifies 7 strengths, 5 weaknesses, 11 opportunities, and 4 threats. The recommended strategic posture is offensive (SO-dominant).</a:t>
+              <a:t>SWOT analysis identifies 7 strengths, 5 weaknesses, 10 opportunities, and 4 threats. The recommended strategic posture is offensive (SO-dominant).</a:t>
             </a:r>
           </a:p>
         </p:txBody>
@@ -25077,7 +25954,7 @@
               </a:defRPr>
             </a:pPr>
             <a:r>
-              <a:t>SPAN matrix positions 22 opportunities: 18 grow/invest, 4 acquire skills, 0 harvest, 0 avoid/exit. Focus resources on the 18 grow/invest items for maximum strategic impact.</a:t>
+              <a:t>SPAN matrix positions 35 opportunities: 23 grow/invest, 4 acquire skills, 4 harvest, 4 avoid/exit. Focus resources on the 23 grow/invest items for maximum strategic impact.</a:t>
             </a:r>
           </a:p>
         </p:txBody>
@@ -25338,30 +26215,145 @@
         </p:nvSpPr>
         <p:spPr>
           <a:xfrm>
-            <a:off x="457200" y="1828800"/>
-            <a:ext cx="10972800" cy="914400"/>
-          </a:xfrm>
-          <a:prstGeom prst="rect">
-            <a:avLst/>
-          </a:prstGeom>
-          <a:noFill/>
-        </p:spPr>
-        <p:txBody>
-          <a:bodyPr wrap="square">
-            <a:spAutoFit/>
-          </a:bodyPr>
-          <a:lstStyle/>
-          <a:p>
-            <a:pPr algn="l">
-              <a:defRPr sz="1300" b="0">
-                <a:solidFill>
-                  <a:srgbClr val="808080"/>
-                </a:solidFill>
-                <a:latin typeface="Arial"/>
-              </a:defRPr>
-            </a:pPr>
-            <a:r>
-              <a:t>No provenance data recorded for this analysis</a:t>
+            <a:off x="457200" y="1280160"/>
+            <a:ext cx="10972800" cy="4114800"/>
+          </a:xfrm>
+          <a:prstGeom prst="rect">
+            <a:avLst/>
+          </a:prstGeom>
+          <a:noFill/>
+        </p:spPr>
+        <p:txBody>
+          <a:bodyPr wrap="square">
+            <a:spAutoFit/>
+          </a:bodyPr>
+          <a:lstStyle/>
+          <a:p>
+            <a:pPr>
+              <a:spcAft>
+                <a:spcPts val="400"/>
+              </a:spcAft>
+              <a:defRPr sz="1000">
+                <a:solidFill>
+                  <a:srgbClr val="333333"/>
+                </a:solidFill>
+                <a:latin typeface="Arial"/>
+              </a:defRPr>
+            </a:pPr>
+            <a:r>
+              <a:t>• telecom.db</a:t>
+            </a:r>
+          </a:p>
+          <a:p>
+            <a:pPr>
+              <a:spcAft>
+                <a:spcPts val="400"/>
+              </a:spcAft>
+              <a:defRPr sz="1000">
+                <a:solidFill>
+                  <a:srgbClr val="333333"/>
+                </a:solidFill>
+                <a:latin typeface="Arial"/>
+              </a:defRPr>
+            </a:pPr>
+            <a:r>
+              <a:t>• telecom.db</a:t>
+            </a:r>
+          </a:p>
+          <a:p>
+            <a:pPr>
+              <a:spcAft>
+                <a:spcPts val="400"/>
+              </a:spcAft>
+              <a:defRPr sz="1000">
+                <a:solidFill>
+                  <a:srgbClr val="333333"/>
+                </a:solidFill>
+                <a:latin typeface="Arial"/>
+              </a:defRPr>
+            </a:pPr>
+            <a:r>
+              <a:t>• telecom.db</a:t>
+            </a:r>
+          </a:p>
+          <a:p>
+            <a:pPr>
+              <a:spcAft>
+                <a:spcPts val="400"/>
+              </a:spcAft>
+              <a:defRPr sz="1000">
+                <a:solidFill>
+                  <a:srgbClr val="333333"/>
+                </a:solidFill>
+                <a:latin typeface="Arial"/>
+              </a:defRPr>
+            </a:pPr>
+            <a:r>
+              <a:t>• telecom.db</a:t>
+            </a:r>
+          </a:p>
+          <a:p>
+            <a:pPr>
+              <a:spcAft>
+                <a:spcPts val="400"/>
+              </a:spcAft>
+              <a:defRPr sz="1000">
+                <a:solidFill>
+                  <a:srgbClr val="333333"/>
+                </a:solidFill>
+                <a:latin typeface="Arial"/>
+              </a:defRPr>
+            </a:pPr>
+            <a:r>
+              <a:t>• telecom.db</a:t>
+            </a:r>
+          </a:p>
+          <a:p>
+            <a:pPr>
+              <a:spcAft>
+                <a:spcPts val="400"/>
+              </a:spcAft>
+              <a:defRPr sz="1000">
+                <a:solidFill>
+                  <a:srgbClr val="333333"/>
+                </a:solidFill>
+                <a:latin typeface="Arial"/>
+              </a:defRPr>
+            </a:pPr>
+            <a:r>
+              <a:t>• telecom.db</a:t>
+            </a:r>
+          </a:p>
+          <a:p>
+            <a:pPr>
+              <a:spcAft>
+                <a:spcPts val="400"/>
+              </a:spcAft>
+              <a:defRPr sz="1000">
+                <a:solidFill>
+                  <a:srgbClr val="333333"/>
+                </a:solidFill>
+                <a:latin typeface="Arial"/>
+              </a:defRPr>
+            </a:pPr>
+            <a:r>
+              <a:t>• telecom.db</a:t>
+            </a:r>
+          </a:p>
+          <a:p>
+            <a:pPr>
+              <a:spcAft>
+                <a:spcPts val="400"/>
+              </a:spcAft>
+              <a:defRPr sz="1000">
+                <a:solidFill>
+                  <a:srgbClr val="333333"/>
+                </a:solidFill>
+                <a:latin typeface="Arial"/>
+              </a:defRPr>
+            </a:pPr>
+            <a:r>
+              <a:t>• telecom.db</a:t>
             </a:r>
           </a:p>
         </p:txBody>
